--- a/Assets/ThirdParty/CleanFlatIcon/UsingGroup/icon.pptx
+++ b/Assets/ThirdParty/CleanFlatIcon/UsingGroup/icon.pptx
@@ -5,7 +5,7 @@
     <p:sldMasterId id="2147483648" r:id="rId1"/>
   </p:sldMasterIdLst>
   <p:notesMasterIdLst>
-    <p:notesMasterId r:id="rId9"/>
+    <p:notesMasterId r:id="rId10"/>
   </p:notesMasterIdLst>
   <p:sldIdLst>
     <p:sldId id="258" r:id="rId2"/>
@@ -15,6 +15,7 @@
     <p:sldId id="256" r:id="rId6"/>
     <p:sldId id="262" r:id="rId7"/>
     <p:sldId id="261" r:id="rId8"/>
+    <p:sldId id="263" r:id="rId9"/>
   </p:sldIdLst>
   <p:sldSz cx="12192000" cy="6858000"/>
   <p:notesSz cx="6858000" cy="9144000"/>
@@ -206,7 +207,7 @@
           <a:p>
             <a:fld id="{623D089E-5E78-4F5C-90DB-68957509C3A9}" type="datetimeFigureOut">
               <a:rPr lang="ko-KR" altLang="en-US" smtClean="0"/>
-              <a:t>2025-10-31</a:t>
+              <a:t>2025-11-11</a:t>
             </a:fld>
             <a:endParaRPr lang="ko-KR" altLang="en-US"/>
           </a:p>
@@ -10954,6 +10955,1397 @@
 </p:sld>
 </file>
 
+<file path=ppt/slides/slide8.xml><?xml version="1.0" encoding="utf-8"?>
+<p:sld xmlns:a="http://schemas.openxmlformats.org/drawingml/2006/main" xmlns:r="http://schemas.openxmlformats.org/officeDocument/2006/relationships" xmlns:p="http://schemas.openxmlformats.org/presentationml/2006/main">
+  <p:cSld>
+    <p:spTree>
+      <p:nvGrpSpPr>
+        <p:cNvPr id="1" name=""/>
+        <p:cNvGrpSpPr/>
+        <p:nvPr/>
+      </p:nvGrpSpPr>
+      <p:grpSpPr>
+        <a:xfrm>
+          <a:off x="0" y="0"/>
+          <a:ext cx="0" cy="0"/>
+          <a:chOff x="0" y="0"/>
+          <a:chExt cx="0" cy="0"/>
+        </a:xfrm>
+      </p:grpSpPr>
+      <p:pic>
+        <p:nvPicPr>
+          <p:cNvPr id="3" name="그림 2" descr="로고, 그래픽, 상징, 폰트이(가) 표시된 사진&#10;&#10;AI 생성 콘텐츠는 정확하지 않을 수 있습니다.">
+            <a:extLst>
+              <a:ext uri="{FF2B5EF4-FFF2-40B4-BE49-F238E27FC236}">
+                <a16:creationId xmlns:a16="http://schemas.microsoft.com/office/drawing/2014/main" id="{2C4969C2-5FB1-A301-B046-138256D92AB3}"/>
+              </a:ext>
+            </a:extLst>
+          </p:cNvPr>
+          <p:cNvPicPr>
+            <a:picLocks noChangeAspect="1"/>
+          </p:cNvPicPr>
+          <p:nvPr/>
+        </p:nvPicPr>
+        <p:blipFill>
+          <a:blip r:embed="rId2">
+            <a:extLst>
+              <a:ext uri="{28A0092B-C50C-407E-A947-70E740481C1C}">
+                <a14:useLocalDpi xmlns:a14="http://schemas.microsoft.com/office/drawing/2010/main" val="0"/>
+              </a:ext>
+            </a:extLst>
+          </a:blip>
+          <a:stretch>
+            <a:fillRect/>
+          </a:stretch>
+        </p:blipFill>
+        <p:spPr>
+          <a:xfrm>
+            <a:off x="1950951" y="3574449"/>
+            <a:ext cx="1048347" cy="1048347"/>
+          </a:xfrm>
+          <a:prstGeom prst="rect">
+            <a:avLst/>
+          </a:prstGeom>
+        </p:spPr>
+      </p:pic>
+      <p:pic>
+        <p:nvPicPr>
+          <p:cNvPr id="36" name="그림 35" descr="블랙, 흑백, 디자인이(가) 표시된 사진&#10;&#10;AI 생성 콘텐츠는 정확하지 않을 수 있습니다.">
+            <a:extLst>
+              <a:ext uri="{FF2B5EF4-FFF2-40B4-BE49-F238E27FC236}">
+                <a16:creationId xmlns:a16="http://schemas.microsoft.com/office/drawing/2014/main" id="{F46ECDE5-39FA-083D-6638-7B7BACD06B4D}"/>
+              </a:ext>
+            </a:extLst>
+          </p:cNvPr>
+          <p:cNvPicPr>
+            <a:picLocks noChangeAspect="1"/>
+          </p:cNvPicPr>
+          <p:nvPr/>
+        </p:nvPicPr>
+        <p:blipFill>
+          <a:blip r:embed="rId3">
+            <a:extLst>
+              <a:ext uri="{28A0092B-C50C-407E-A947-70E740481C1C}">
+                <a14:useLocalDpi xmlns:a14="http://schemas.microsoft.com/office/drawing/2010/main" val="0"/>
+              </a:ext>
+            </a:extLst>
+          </a:blip>
+          <a:stretch>
+            <a:fillRect/>
+          </a:stretch>
+        </p:blipFill>
+        <p:spPr>
+          <a:xfrm>
+            <a:off x="6500245" y="-1147"/>
+            <a:ext cx="1626544" cy="1626544"/>
+          </a:xfrm>
+          <a:prstGeom prst="rect">
+            <a:avLst/>
+          </a:prstGeom>
+        </p:spPr>
+      </p:pic>
+      <p:pic>
+        <p:nvPicPr>
+          <p:cNvPr id="34" name="그림 33" descr="블랙, 흑백, 디자인이(가) 표시된 사진&#10;&#10;AI 생성 콘텐츠는 정확하지 않을 수 있습니다.">
+            <a:extLst>
+              <a:ext uri="{FF2B5EF4-FFF2-40B4-BE49-F238E27FC236}">
+                <a16:creationId xmlns:a16="http://schemas.microsoft.com/office/drawing/2014/main" id="{4DBF552C-5745-53A7-E8F2-BB61CEA914E5}"/>
+              </a:ext>
+            </a:extLst>
+          </p:cNvPr>
+          <p:cNvPicPr>
+            <a:picLocks noChangeAspect="1"/>
+          </p:cNvPicPr>
+          <p:nvPr/>
+        </p:nvPicPr>
+        <p:blipFill>
+          <a:blip r:embed="rId3">
+            <a:extLst>
+              <a:ext uri="{28A0092B-C50C-407E-A947-70E740481C1C}">
+                <a14:useLocalDpi xmlns:a14="http://schemas.microsoft.com/office/drawing/2010/main" val="0"/>
+              </a:ext>
+            </a:extLst>
+          </a:blip>
+          <a:stretch>
+            <a:fillRect/>
+          </a:stretch>
+        </p:blipFill>
+        <p:spPr>
+          <a:xfrm>
+            <a:off x="3251941" y="-1147"/>
+            <a:ext cx="1626544" cy="1626544"/>
+          </a:xfrm>
+          <a:prstGeom prst="rect">
+            <a:avLst/>
+          </a:prstGeom>
+        </p:spPr>
+      </p:pic>
+      <p:pic>
+        <p:nvPicPr>
+          <p:cNvPr id="30" name="그림 29" descr="로고, 상징, 화이트, 폰트이(가) 표시된 사진&#10;&#10;AI 생성 콘텐츠는 정확하지 않을 수 있습니다.">
+            <a:extLst>
+              <a:ext uri="{FF2B5EF4-FFF2-40B4-BE49-F238E27FC236}">
+                <a16:creationId xmlns:a16="http://schemas.microsoft.com/office/drawing/2014/main" id="{A049E4BC-5324-8C5C-68B7-F20DCF53BAA7}"/>
+              </a:ext>
+            </a:extLst>
+          </p:cNvPr>
+          <p:cNvPicPr>
+            <a:picLocks noChangeAspect="1"/>
+          </p:cNvPicPr>
+          <p:nvPr/>
+        </p:nvPicPr>
+        <p:blipFill>
+          <a:blip r:embed="rId4">
+            <a:extLst>
+              <a:ext uri="{28A0092B-C50C-407E-A947-70E740481C1C}">
+                <a14:useLocalDpi xmlns:a14="http://schemas.microsoft.com/office/drawing/2010/main" val="0"/>
+              </a:ext>
+            </a:extLst>
+          </a:blip>
+          <a:srcRect l="26713" t="26713" r="26749" b="26749"/>
+          <a:stretch>
+            <a:fillRect/>
+          </a:stretch>
+        </p:blipFill>
+        <p:spPr>
+          <a:xfrm>
+            <a:off x="6935591" y="434199"/>
+            <a:ext cx="756426" cy="756426"/>
+          </a:xfrm>
+          <a:prstGeom prst="rect">
+            <a:avLst/>
+          </a:prstGeom>
+        </p:spPr>
+      </p:pic>
+      <p:pic>
+        <p:nvPicPr>
+          <p:cNvPr id="32" name="그림 31" descr="로고, 상징, 그래픽, 화이트이(가) 표시된 사진&#10;&#10;AI 생성 콘텐츠는 정확하지 않을 수 있습니다.">
+            <a:extLst>
+              <a:ext uri="{FF2B5EF4-FFF2-40B4-BE49-F238E27FC236}">
+                <a16:creationId xmlns:a16="http://schemas.microsoft.com/office/drawing/2014/main" id="{5EF54F80-FE0B-69D6-98DF-BA4E174AE247}"/>
+              </a:ext>
+            </a:extLst>
+          </p:cNvPr>
+          <p:cNvPicPr>
+            <a:picLocks noChangeAspect="1"/>
+          </p:cNvPicPr>
+          <p:nvPr/>
+        </p:nvPicPr>
+        <p:blipFill>
+          <a:blip r:embed="rId5">
+            <a:extLst>
+              <a:ext uri="{28A0092B-C50C-407E-A947-70E740481C1C}">
+                <a14:useLocalDpi xmlns:a14="http://schemas.microsoft.com/office/drawing/2010/main" val="0"/>
+              </a:ext>
+            </a:extLst>
+          </a:blip>
+          <a:srcRect l="27852" t="27852" r="26748" b="26748"/>
+          <a:stretch>
+            <a:fillRect/>
+          </a:stretch>
+        </p:blipFill>
+        <p:spPr>
+          <a:xfrm>
+            <a:off x="3595970" y="342882"/>
+            <a:ext cx="938486" cy="938486"/>
+          </a:xfrm>
+          <a:prstGeom prst="rect">
+            <a:avLst/>
+          </a:prstGeom>
+        </p:spPr>
+      </p:pic>
+      <p:pic>
+        <p:nvPicPr>
+          <p:cNvPr id="35" name="그림 34" descr="블랙, 흑백, 디자인이(가) 표시된 사진&#10;&#10;AI 생성 콘텐츠는 정확하지 않을 수 있습니다.">
+            <a:extLst>
+              <a:ext uri="{FF2B5EF4-FFF2-40B4-BE49-F238E27FC236}">
+                <a16:creationId xmlns:a16="http://schemas.microsoft.com/office/drawing/2014/main" id="{F2893483-77CF-CFE1-E9CC-0A17DABC7D0A}"/>
+              </a:ext>
+            </a:extLst>
+          </p:cNvPr>
+          <p:cNvPicPr>
+            <a:picLocks noChangeAspect="1"/>
+          </p:cNvPicPr>
+          <p:nvPr/>
+        </p:nvPicPr>
+        <p:blipFill>
+          <a:blip r:embed="rId3">
+            <a:extLst>
+              <a:ext uri="{28A0092B-C50C-407E-A947-70E740481C1C}">
+                <a14:useLocalDpi xmlns:a14="http://schemas.microsoft.com/office/drawing/2010/main" val="0"/>
+              </a:ext>
+            </a:extLst>
+          </a:blip>
+          <a:stretch>
+            <a:fillRect/>
+          </a:stretch>
+        </p:blipFill>
+        <p:spPr>
+          <a:xfrm>
+            <a:off x="4877338" y="-1147"/>
+            <a:ext cx="1626544" cy="1626544"/>
+          </a:xfrm>
+          <a:prstGeom prst="rect">
+            <a:avLst/>
+          </a:prstGeom>
+        </p:spPr>
+      </p:pic>
+      <p:pic>
+        <p:nvPicPr>
+          <p:cNvPr id="37" name="그림 36" descr="블랙, 흑백, 디자인이(가) 표시된 사진&#10;&#10;AI 생성 콘텐츠는 정확하지 않을 수 있습니다.">
+            <a:extLst>
+              <a:ext uri="{FF2B5EF4-FFF2-40B4-BE49-F238E27FC236}">
+                <a16:creationId xmlns:a16="http://schemas.microsoft.com/office/drawing/2014/main" id="{583DF95A-EDF9-FB33-E31D-0DF40B4B0D5E}"/>
+              </a:ext>
+            </a:extLst>
+          </p:cNvPr>
+          <p:cNvPicPr>
+            <a:picLocks noChangeAspect="1"/>
+          </p:cNvPicPr>
+          <p:nvPr/>
+        </p:nvPicPr>
+        <p:blipFill>
+          <a:blip r:embed="rId3">
+            <a:extLst>
+              <a:ext uri="{28A0092B-C50C-407E-A947-70E740481C1C}">
+                <a14:useLocalDpi xmlns:a14="http://schemas.microsoft.com/office/drawing/2010/main" val="0"/>
+              </a:ext>
+            </a:extLst>
+          </a:blip>
+          <a:stretch>
+            <a:fillRect/>
+          </a:stretch>
+        </p:blipFill>
+        <p:spPr>
+          <a:xfrm>
+            <a:off x="3251941" y="1625397"/>
+            <a:ext cx="1626544" cy="1626544"/>
+          </a:xfrm>
+          <a:prstGeom prst="rect">
+            <a:avLst/>
+          </a:prstGeom>
+        </p:spPr>
+      </p:pic>
+      <p:pic>
+        <p:nvPicPr>
+          <p:cNvPr id="38" name="그림 37" descr="블랙, 흑백, 디자인이(가) 표시된 사진&#10;&#10;AI 생성 콘텐츠는 정확하지 않을 수 있습니다.">
+            <a:extLst>
+              <a:ext uri="{FF2B5EF4-FFF2-40B4-BE49-F238E27FC236}">
+                <a16:creationId xmlns:a16="http://schemas.microsoft.com/office/drawing/2014/main" id="{57FB827D-2C2E-E2AE-9D16-B72BA708E069}"/>
+              </a:ext>
+            </a:extLst>
+          </p:cNvPr>
+          <p:cNvPicPr>
+            <a:picLocks noChangeAspect="1"/>
+          </p:cNvPicPr>
+          <p:nvPr/>
+        </p:nvPicPr>
+        <p:blipFill>
+          <a:blip r:embed="rId3">
+            <a:extLst>
+              <a:ext uri="{28A0092B-C50C-407E-A947-70E740481C1C}">
+                <a14:useLocalDpi xmlns:a14="http://schemas.microsoft.com/office/drawing/2010/main" val="0"/>
+              </a:ext>
+            </a:extLst>
+          </a:blip>
+          <a:stretch>
+            <a:fillRect/>
+          </a:stretch>
+        </p:blipFill>
+        <p:spPr>
+          <a:xfrm>
+            <a:off x="4877338" y="1625397"/>
+            <a:ext cx="1626544" cy="1626544"/>
+          </a:xfrm>
+          <a:prstGeom prst="rect">
+            <a:avLst/>
+          </a:prstGeom>
+        </p:spPr>
+      </p:pic>
+      <p:pic>
+        <p:nvPicPr>
+          <p:cNvPr id="39" name="그림 38" descr="블랙, 흑백, 디자인이(가) 표시된 사진&#10;&#10;AI 생성 콘텐츠는 정확하지 않을 수 있습니다.">
+            <a:extLst>
+              <a:ext uri="{FF2B5EF4-FFF2-40B4-BE49-F238E27FC236}">
+                <a16:creationId xmlns:a16="http://schemas.microsoft.com/office/drawing/2014/main" id="{026E9DBC-48F6-7599-7358-786969D57751}"/>
+              </a:ext>
+            </a:extLst>
+          </p:cNvPr>
+          <p:cNvPicPr>
+            <a:picLocks noChangeAspect="1"/>
+          </p:cNvPicPr>
+          <p:nvPr/>
+        </p:nvPicPr>
+        <p:blipFill>
+          <a:blip r:embed="rId3">
+            <a:extLst>
+              <a:ext uri="{28A0092B-C50C-407E-A947-70E740481C1C}">
+                <a14:useLocalDpi xmlns:a14="http://schemas.microsoft.com/office/drawing/2010/main" val="0"/>
+              </a:ext>
+            </a:extLst>
+          </a:blip>
+          <a:stretch>
+            <a:fillRect/>
+          </a:stretch>
+        </p:blipFill>
+        <p:spPr>
+          <a:xfrm>
+            <a:off x="6500245" y="1625397"/>
+            <a:ext cx="1626544" cy="1626544"/>
+          </a:xfrm>
+          <a:prstGeom prst="rect">
+            <a:avLst/>
+          </a:prstGeom>
+          <a:ln>
+            <a:noFill/>
+          </a:ln>
+        </p:spPr>
+      </p:pic>
+      <p:pic>
+        <p:nvPicPr>
+          <p:cNvPr id="41" name="그림 40" descr="로고, 상징, 폰트, 그래픽이(가) 표시된 사진&#10;&#10;AI 생성 콘텐츠는 정확하지 않을 수 있습니다.">
+            <a:extLst>
+              <a:ext uri="{FF2B5EF4-FFF2-40B4-BE49-F238E27FC236}">
+                <a16:creationId xmlns:a16="http://schemas.microsoft.com/office/drawing/2014/main" id="{5B9C340D-FCA6-DDF6-327B-96269DAA3466}"/>
+              </a:ext>
+            </a:extLst>
+          </p:cNvPr>
+          <p:cNvPicPr>
+            <a:picLocks noChangeAspect="1"/>
+          </p:cNvPicPr>
+          <p:nvPr/>
+        </p:nvPicPr>
+        <p:blipFill>
+          <a:blip r:embed="rId6">
+            <a:extLst>
+              <a:ext uri="{28A0092B-C50C-407E-A947-70E740481C1C}">
+                <a14:useLocalDpi xmlns:a14="http://schemas.microsoft.com/office/drawing/2010/main" val="0"/>
+              </a:ext>
+            </a:extLst>
+          </a:blip>
+          <a:srcRect l="41777" t="26749" r="33632" b="26749"/>
+          <a:stretch>
+            <a:fillRect/>
+          </a:stretch>
+        </p:blipFill>
+        <p:spPr>
+          <a:xfrm>
+            <a:off x="5377172" y="434199"/>
+            <a:ext cx="718828" cy="755852"/>
+          </a:xfrm>
+          <a:prstGeom prst="rect">
+            <a:avLst/>
+          </a:prstGeom>
+        </p:spPr>
+      </p:pic>
+      <p:sp>
+        <p:nvSpPr>
+          <p:cNvPr id="42" name="타원 41">
+            <a:extLst>
+              <a:ext uri="{FF2B5EF4-FFF2-40B4-BE49-F238E27FC236}">
+                <a16:creationId xmlns:a16="http://schemas.microsoft.com/office/drawing/2014/main" id="{55333151-A358-64AE-3D94-FF30B31AA0E4}"/>
+              </a:ext>
+            </a:extLst>
+          </p:cNvPr>
+          <p:cNvSpPr/>
+          <p:nvPr/>
+        </p:nvSpPr>
+        <p:spPr>
+          <a:xfrm>
+            <a:off x="3705799" y="2079255"/>
+            <a:ext cx="718828" cy="718828"/>
+          </a:xfrm>
+          <a:prstGeom prst="ellipse">
+            <a:avLst/>
+          </a:prstGeom>
+          <a:noFill/>
+          <a:ln w="127000">
+            <a:solidFill>
+              <a:schemeClr val="bg1"/>
+            </a:solidFill>
+          </a:ln>
+        </p:spPr>
+        <p:style>
+          <a:lnRef idx="2">
+            <a:schemeClr val="accent1">
+              <a:shade val="15000"/>
+            </a:schemeClr>
+          </a:lnRef>
+          <a:fillRef idx="1">
+            <a:schemeClr val="accent1"/>
+          </a:fillRef>
+          <a:effectRef idx="0">
+            <a:schemeClr val="accent1"/>
+          </a:effectRef>
+          <a:fontRef idx="minor">
+            <a:schemeClr val="lt1"/>
+          </a:fontRef>
+        </p:style>
+        <p:txBody>
+          <a:bodyPr rtlCol="0" anchor="ctr"/>
+          <a:lstStyle/>
+          <a:p>
+            <a:pPr algn="r"/>
+            <a:endParaRPr lang="ko-KR" altLang="en-US"/>
+          </a:p>
+        </p:txBody>
+      </p:sp>
+      <p:sp>
+        <p:nvSpPr>
+          <p:cNvPr id="43" name="타원 42">
+            <a:extLst>
+              <a:ext uri="{FF2B5EF4-FFF2-40B4-BE49-F238E27FC236}">
+                <a16:creationId xmlns:a16="http://schemas.microsoft.com/office/drawing/2014/main" id="{3B429CC0-353A-6A66-ABF5-713F0E8B8C1A}"/>
+              </a:ext>
+            </a:extLst>
+          </p:cNvPr>
+          <p:cNvSpPr/>
+          <p:nvPr/>
+        </p:nvSpPr>
+        <p:spPr>
+          <a:xfrm>
+            <a:off x="5331196" y="2079255"/>
+            <a:ext cx="718828" cy="718828"/>
+          </a:xfrm>
+          <a:prstGeom prst="ellipse">
+            <a:avLst/>
+          </a:prstGeom>
+          <a:solidFill>
+            <a:schemeClr val="bg1"/>
+          </a:solidFill>
+          <a:ln w="127000">
+            <a:solidFill>
+              <a:schemeClr val="bg1"/>
+            </a:solidFill>
+          </a:ln>
+        </p:spPr>
+        <p:style>
+          <a:lnRef idx="2">
+            <a:schemeClr val="accent1">
+              <a:shade val="15000"/>
+            </a:schemeClr>
+          </a:lnRef>
+          <a:fillRef idx="1">
+            <a:schemeClr val="accent1"/>
+          </a:fillRef>
+          <a:effectRef idx="0">
+            <a:schemeClr val="accent1"/>
+          </a:effectRef>
+          <a:fontRef idx="minor">
+            <a:schemeClr val="lt1"/>
+          </a:fontRef>
+        </p:style>
+        <p:txBody>
+          <a:bodyPr rtlCol="0" anchor="ctr"/>
+          <a:lstStyle/>
+          <a:p>
+            <a:pPr algn="r"/>
+            <a:endParaRPr lang="ko-KR" altLang="en-US"/>
+          </a:p>
+        </p:txBody>
+      </p:sp>
+      <p:pic>
+        <p:nvPicPr>
+          <p:cNvPr id="46" name="그림 45" descr="로고, 상징, 화이트, 폰트이(가) 표시된 사진&#10;&#10;AI 생성 콘텐츠는 정확하지 않을 수 있습니다.">
+            <a:extLst>
+              <a:ext uri="{FF2B5EF4-FFF2-40B4-BE49-F238E27FC236}">
+                <a16:creationId xmlns:a16="http://schemas.microsoft.com/office/drawing/2014/main" id="{E1B1D188-8BB0-4E05-A0F0-6F1FAC4A2B97}"/>
+              </a:ext>
+            </a:extLst>
+          </p:cNvPr>
+          <p:cNvPicPr>
+            <a:picLocks noChangeAspect="1"/>
+          </p:cNvPicPr>
+          <p:nvPr/>
+        </p:nvPicPr>
+        <p:blipFill>
+          <a:blip r:embed="rId4">
+            <a:extLst>
+              <a:ext uri="{28A0092B-C50C-407E-A947-70E740481C1C}">
+                <a14:useLocalDpi xmlns:a14="http://schemas.microsoft.com/office/drawing/2010/main" val="0"/>
+              </a:ext>
+            </a:extLst>
+          </a:blip>
+          <a:srcRect l="26713" t="26713" r="26749" b="26749"/>
+          <a:stretch>
+            <a:fillRect/>
+          </a:stretch>
+        </p:blipFill>
+        <p:spPr>
+          <a:xfrm>
+            <a:off x="6935591" y="3681992"/>
+            <a:ext cx="756426" cy="756426"/>
+          </a:xfrm>
+          <a:prstGeom prst="rect">
+            <a:avLst/>
+          </a:prstGeom>
+        </p:spPr>
+      </p:pic>
+      <p:pic>
+        <p:nvPicPr>
+          <p:cNvPr id="47" name="그림 46" descr="로고, 상징, 그래픽, 화이트이(가) 표시된 사진&#10;&#10;AI 생성 콘텐츠는 정확하지 않을 수 있습니다.">
+            <a:extLst>
+              <a:ext uri="{FF2B5EF4-FFF2-40B4-BE49-F238E27FC236}">
+                <a16:creationId xmlns:a16="http://schemas.microsoft.com/office/drawing/2014/main" id="{E4FEC9D5-7F3E-0FE5-9E75-AF4B43089BD7}"/>
+              </a:ext>
+            </a:extLst>
+          </p:cNvPr>
+          <p:cNvPicPr>
+            <a:picLocks noChangeAspect="1"/>
+          </p:cNvPicPr>
+          <p:nvPr/>
+        </p:nvPicPr>
+        <p:blipFill>
+          <a:blip r:embed="rId5">
+            <a:extLst>
+              <a:ext uri="{28A0092B-C50C-407E-A947-70E740481C1C}">
+                <a14:useLocalDpi xmlns:a14="http://schemas.microsoft.com/office/drawing/2010/main" val="0"/>
+              </a:ext>
+            </a:extLst>
+          </a:blip>
+          <a:srcRect l="27852" t="27852" r="26748" b="26748"/>
+          <a:stretch>
+            <a:fillRect/>
+          </a:stretch>
+        </p:blipFill>
+        <p:spPr>
+          <a:xfrm>
+            <a:off x="3595970" y="3590675"/>
+            <a:ext cx="938486" cy="938486"/>
+          </a:xfrm>
+          <a:prstGeom prst="rect">
+            <a:avLst/>
+          </a:prstGeom>
+        </p:spPr>
+      </p:pic>
+      <p:pic>
+        <p:nvPicPr>
+          <p:cNvPr id="52" name="그림 51" descr="로고, 상징, 폰트, 그래픽이(가) 표시된 사진&#10;&#10;AI 생성 콘텐츠는 정확하지 않을 수 있습니다.">
+            <a:extLst>
+              <a:ext uri="{FF2B5EF4-FFF2-40B4-BE49-F238E27FC236}">
+                <a16:creationId xmlns:a16="http://schemas.microsoft.com/office/drawing/2014/main" id="{5860EDAB-B64C-FBA8-0DB2-B1D4E5BE86C7}"/>
+              </a:ext>
+            </a:extLst>
+          </p:cNvPr>
+          <p:cNvPicPr>
+            <a:picLocks noChangeAspect="1"/>
+          </p:cNvPicPr>
+          <p:nvPr/>
+        </p:nvPicPr>
+        <p:blipFill>
+          <a:blip r:embed="rId6">
+            <a:extLst>
+              <a:ext uri="{28A0092B-C50C-407E-A947-70E740481C1C}">
+                <a14:useLocalDpi xmlns:a14="http://schemas.microsoft.com/office/drawing/2010/main" val="0"/>
+              </a:ext>
+            </a:extLst>
+          </a:blip>
+          <a:srcRect l="41777" t="26749" r="33632" b="26749"/>
+          <a:stretch>
+            <a:fillRect/>
+          </a:stretch>
+        </p:blipFill>
+        <p:spPr>
+          <a:xfrm>
+            <a:off x="5377172" y="3681992"/>
+            <a:ext cx="718828" cy="755852"/>
+          </a:xfrm>
+          <a:prstGeom prst="rect">
+            <a:avLst/>
+          </a:prstGeom>
+        </p:spPr>
+      </p:pic>
+      <p:sp>
+        <p:nvSpPr>
+          <p:cNvPr id="53" name="타원 52">
+            <a:extLst>
+              <a:ext uri="{FF2B5EF4-FFF2-40B4-BE49-F238E27FC236}">
+                <a16:creationId xmlns:a16="http://schemas.microsoft.com/office/drawing/2014/main" id="{02E65EE4-35F4-E501-7F85-A4273910B674}"/>
+              </a:ext>
+            </a:extLst>
+          </p:cNvPr>
+          <p:cNvSpPr/>
+          <p:nvPr/>
+        </p:nvSpPr>
+        <p:spPr>
+          <a:xfrm>
+            <a:off x="3705799" y="5327048"/>
+            <a:ext cx="718828" cy="718828"/>
+          </a:xfrm>
+          <a:prstGeom prst="ellipse">
+            <a:avLst/>
+          </a:prstGeom>
+          <a:noFill/>
+          <a:ln w="127000">
+            <a:solidFill>
+              <a:schemeClr val="bg1"/>
+            </a:solidFill>
+          </a:ln>
+        </p:spPr>
+        <p:style>
+          <a:lnRef idx="2">
+            <a:schemeClr val="accent1">
+              <a:shade val="15000"/>
+            </a:schemeClr>
+          </a:lnRef>
+          <a:fillRef idx="1">
+            <a:schemeClr val="accent1"/>
+          </a:fillRef>
+          <a:effectRef idx="0">
+            <a:schemeClr val="accent1"/>
+          </a:effectRef>
+          <a:fontRef idx="minor">
+            <a:schemeClr val="lt1"/>
+          </a:fontRef>
+        </p:style>
+        <p:txBody>
+          <a:bodyPr rtlCol="0" anchor="ctr"/>
+          <a:lstStyle/>
+          <a:p>
+            <a:pPr algn="r"/>
+            <a:endParaRPr lang="ko-KR" altLang="en-US"/>
+          </a:p>
+        </p:txBody>
+      </p:sp>
+      <p:sp>
+        <p:nvSpPr>
+          <p:cNvPr id="54" name="타원 53">
+            <a:extLst>
+              <a:ext uri="{FF2B5EF4-FFF2-40B4-BE49-F238E27FC236}">
+                <a16:creationId xmlns:a16="http://schemas.microsoft.com/office/drawing/2014/main" id="{6378343C-916F-A050-4192-33149B998C6C}"/>
+              </a:ext>
+            </a:extLst>
+          </p:cNvPr>
+          <p:cNvSpPr/>
+          <p:nvPr/>
+        </p:nvSpPr>
+        <p:spPr>
+          <a:xfrm>
+            <a:off x="5331196" y="5327048"/>
+            <a:ext cx="718828" cy="718828"/>
+          </a:xfrm>
+          <a:prstGeom prst="ellipse">
+            <a:avLst/>
+          </a:prstGeom>
+          <a:solidFill>
+            <a:schemeClr val="bg1"/>
+          </a:solidFill>
+          <a:ln w="127000">
+            <a:solidFill>
+              <a:schemeClr val="bg1"/>
+            </a:solidFill>
+          </a:ln>
+        </p:spPr>
+        <p:style>
+          <a:lnRef idx="2">
+            <a:schemeClr val="accent1">
+              <a:shade val="15000"/>
+            </a:schemeClr>
+          </a:lnRef>
+          <a:fillRef idx="1">
+            <a:schemeClr val="accent1"/>
+          </a:fillRef>
+          <a:effectRef idx="0">
+            <a:schemeClr val="accent1"/>
+          </a:effectRef>
+          <a:fontRef idx="minor">
+            <a:schemeClr val="lt1"/>
+          </a:fontRef>
+        </p:style>
+        <p:txBody>
+          <a:bodyPr rtlCol="0" anchor="ctr"/>
+          <a:lstStyle/>
+          <a:p>
+            <a:pPr algn="r"/>
+            <a:endParaRPr lang="ko-KR" altLang="en-US"/>
+          </a:p>
+        </p:txBody>
+      </p:sp>
+      <p:sp>
+        <p:nvSpPr>
+          <p:cNvPr id="55" name="곱하기 기호 54">
+            <a:extLst>
+              <a:ext uri="{FF2B5EF4-FFF2-40B4-BE49-F238E27FC236}">
+                <a16:creationId xmlns:a16="http://schemas.microsoft.com/office/drawing/2014/main" id="{9B6CBB7B-41C1-B9BF-AA43-6CBA8560373B}"/>
+              </a:ext>
+            </a:extLst>
+          </p:cNvPr>
+          <p:cNvSpPr/>
+          <p:nvPr/>
+        </p:nvSpPr>
+        <p:spPr>
+          <a:xfrm>
+            <a:off x="6769190" y="1894342"/>
+            <a:ext cx="1088655" cy="1088655"/>
+          </a:xfrm>
+          <a:prstGeom prst="mathMultiply">
+            <a:avLst>
+              <a:gd name="adj1" fmla="val 19353"/>
+            </a:avLst>
+          </a:prstGeom>
+          <a:solidFill>
+            <a:schemeClr val="bg1"/>
+          </a:solidFill>
+          <a:ln>
+            <a:noFill/>
+          </a:ln>
+        </p:spPr>
+        <p:style>
+          <a:lnRef idx="2">
+            <a:schemeClr val="accent1">
+              <a:shade val="15000"/>
+            </a:schemeClr>
+          </a:lnRef>
+          <a:fillRef idx="1">
+            <a:schemeClr val="accent1"/>
+          </a:fillRef>
+          <a:effectRef idx="0">
+            <a:schemeClr val="accent1"/>
+          </a:effectRef>
+          <a:fontRef idx="minor">
+            <a:schemeClr val="lt1"/>
+          </a:fontRef>
+        </p:style>
+        <p:txBody>
+          <a:bodyPr rtlCol="0" anchor="ctr"/>
+          <a:lstStyle/>
+          <a:p>
+            <a:pPr algn="r"/>
+            <a:endParaRPr lang="ko-KR" altLang="en-US"/>
+          </a:p>
+        </p:txBody>
+      </p:sp>
+      <p:sp>
+        <p:nvSpPr>
+          <p:cNvPr id="56" name="곱하기 기호 55">
+            <a:extLst>
+              <a:ext uri="{FF2B5EF4-FFF2-40B4-BE49-F238E27FC236}">
+                <a16:creationId xmlns:a16="http://schemas.microsoft.com/office/drawing/2014/main" id="{07FBC46C-2A9B-79CF-2D7B-5D309A7CDA0C}"/>
+              </a:ext>
+            </a:extLst>
+          </p:cNvPr>
+          <p:cNvSpPr/>
+          <p:nvPr/>
+        </p:nvSpPr>
+        <p:spPr>
+          <a:xfrm>
+            <a:off x="6769190" y="5142134"/>
+            <a:ext cx="1088655" cy="1088655"/>
+          </a:xfrm>
+          <a:prstGeom prst="mathMultiply">
+            <a:avLst>
+              <a:gd name="adj1" fmla="val 19353"/>
+            </a:avLst>
+          </a:prstGeom>
+          <a:solidFill>
+            <a:schemeClr val="bg1"/>
+          </a:solidFill>
+          <a:ln>
+            <a:noFill/>
+          </a:ln>
+        </p:spPr>
+        <p:style>
+          <a:lnRef idx="2">
+            <a:schemeClr val="accent1">
+              <a:shade val="15000"/>
+            </a:schemeClr>
+          </a:lnRef>
+          <a:fillRef idx="1">
+            <a:schemeClr val="accent1"/>
+          </a:fillRef>
+          <a:effectRef idx="0">
+            <a:schemeClr val="accent1"/>
+          </a:effectRef>
+          <a:fontRef idx="minor">
+            <a:schemeClr val="lt1"/>
+          </a:fontRef>
+        </p:style>
+        <p:txBody>
+          <a:bodyPr rtlCol="0" anchor="ctr"/>
+          <a:lstStyle/>
+          <a:p>
+            <a:pPr algn="r"/>
+            <a:endParaRPr lang="ko-KR" altLang="en-US"/>
+          </a:p>
+        </p:txBody>
+      </p:sp>
+      <p:pic>
+        <p:nvPicPr>
+          <p:cNvPr id="57" name="그림 56" descr="블랙, 흑백, 디자인이(가) 표시된 사진&#10;&#10;AI 생성 콘텐츠는 정확하지 않을 수 있습니다.">
+            <a:extLst>
+              <a:ext uri="{FF2B5EF4-FFF2-40B4-BE49-F238E27FC236}">
+                <a16:creationId xmlns:a16="http://schemas.microsoft.com/office/drawing/2014/main" id="{4F2E877F-1BC8-E94E-E111-ACFDA5D2DBE3}"/>
+              </a:ext>
+            </a:extLst>
+          </p:cNvPr>
+          <p:cNvPicPr>
+            <a:picLocks noChangeAspect="1"/>
+          </p:cNvPicPr>
+          <p:nvPr/>
+        </p:nvPicPr>
+        <p:blipFill>
+          <a:blip r:embed="rId3">
+            <a:extLst>
+              <a:ext uri="{28A0092B-C50C-407E-A947-70E740481C1C}">
+                <a14:useLocalDpi xmlns:a14="http://schemas.microsoft.com/office/drawing/2010/main" val="0"/>
+              </a:ext>
+            </a:extLst>
+          </a:blip>
+          <a:stretch>
+            <a:fillRect/>
+          </a:stretch>
+        </p:blipFill>
+        <p:spPr>
+          <a:xfrm>
+            <a:off x="1627200" y="1625397"/>
+            <a:ext cx="1626544" cy="1626544"/>
+          </a:xfrm>
+          <a:prstGeom prst="rect">
+            <a:avLst/>
+          </a:prstGeom>
+          <a:ln>
+            <a:noFill/>
+          </a:ln>
+        </p:spPr>
+      </p:pic>
+      <p:pic>
+        <p:nvPicPr>
+          <p:cNvPr id="65" name="그림 64" descr="블랙, 흑백, 디자인이(가) 표시된 사진&#10;&#10;AI 생성 콘텐츠는 정확하지 않을 수 있습니다.">
+            <a:extLst>
+              <a:ext uri="{FF2B5EF4-FFF2-40B4-BE49-F238E27FC236}">
+                <a16:creationId xmlns:a16="http://schemas.microsoft.com/office/drawing/2014/main" id="{875936D1-734D-FD17-D5A9-CC5CB8E245C9}"/>
+              </a:ext>
+            </a:extLst>
+          </p:cNvPr>
+          <p:cNvPicPr>
+            <a:picLocks noChangeAspect="1"/>
+          </p:cNvPicPr>
+          <p:nvPr/>
+        </p:nvPicPr>
+        <p:blipFill>
+          <a:blip r:embed="rId3">
+            <a:extLst>
+              <a:ext uri="{28A0092B-C50C-407E-A947-70E740481C1C}">
+                <a14:useLocalDpi xmlns:a14="http://schemas.microsoft.com/office/drawing/2010/main" val="0"/>
+              </a:ext>
+            </a:extLst>
+          </a:blip>
+          <a:stretch>
+            <a:fillRect/>
+          </a:stretch>
+        </p:blipFill>
+        <p:spPr>
+          <a:xfrm>
+            <a:off x="8122005" y="1625397"/>
+            <a:ext cx="1626544" cy="1626544"/>
+          </a:xfrm>
+          <a:prstGeom prst="rect">
+            <a:avLst/>
+          </a:prstGeom>
+          <a:ln>
+            <a:noFill/>
+          </a:ln>
+        </p:spPr>
+      </p:pic>
+      <p:pic>
+        <p:nvPicPr>
+          <p:cNvPr id="68" name="그림 67" descr="블랙, 흑백, 디자인이(가) 표시된 사진&#10;&#10;AI 생성 콘텐츠는 정확하지 않을 수 있습니다.">
+            <a:extLst>
+              <a:ext uri="{FF2B5EF4-FFF2-40B4-BE49-F238E27FC236}">
+                <a16:creationId xmlns:a16="http://schemas.microsoft.com/office/drawing/2014/main" id="{0C497F2F-401D-6E84-1A30-B0D7B2E20E1F}"/>
+              </a:ext>
+            </a:extLst>
+          </p:cNvPr>
+          <p:cNvPicPr>
+            <a:picLocks noChangeAspect="1"/>
+          </p:cNvPicPr>
+          <p:nvPr/>
+        </p:nvPicPr>
+        <p:blipFill>
+          <a:blip r:embed="rId3">
+            <a:extLst>
+              <a:ext uri="{28A0092B-C50C-407E-A947-70E740481C1C}">
+                <a14:useLocalDpi xmlns:a14="http://schemas.microsoft.com/office/drawing/2010/main" val="0"/>
+              </a:ext>
+            </a:extLst>
+          </a:blip>
+          <a:stretch>
+            <a:fillRect/>
+          </a:stretch>
+        </p:blipFill>
+        <p:spPr>
+          <a:xfrm>
+            <a:off x="8122005" y="-1147"/>
+            <a:ext cx="1626544" cy="1626544"/>
+          </a:xfrm>
+          <a:prstGeom prst="rect">
+            <a:avLst/>
+          </a:prstGeom>
+          <a:ln>
+            <a:noFill/>
+          </a:ln>
+        </p:spPr>
+      </p:pic>
+      <p:pic>
+        <p:nvPicPr>
+          <p:cNvPr id="69" name="그림 68" descr="상징, 화이트, 디자인이(가) 표시된 사진&#10;&#10;AI 생성 콘텐츠는 정확하지 않을 수 있습니다.">
+            <a:extLst>
+              <a:ext uri="{FF2B5EF4-FFF2-40B4-BE49-F238E27FC236}">
+                <a16:creationId xmlns:a16="http://schemas.microsoft.com/office/drawing/2014/main" id="{2EC222B6-BDF7-EC49-6018-509CA44995B0}"/>
+              </a:ext>
+            </a:extLst>
+          </p:cNvPr>
+          <p:cNvPicPr>
+            <a:picLocks noChangeAspect="1"/>
+          </p:cNvPicPr>
+          <p:nvPr/>
+        </p:nvPicPr>
+        <p:blipFill>
+          <a:blip r:embed="rId7">
+            <a:extLst>
+              <a:ext uri="{28A0092B-C50C-407E-A947-70E740481C1C}">
+                <a14:useLocalDpi xmlns:a14="http://schemas.microsoft.com/office/drawing/2010/main" val="0"/>
+              </a:ext>
+            </a:extLst>
+          </a:blip>
+          <a:stretch>
+            <a:fillRect/>
+          </a:stretch>
+        </p:blipFill>
+        <p:spPr>
+          <a:xfrm>
+            <a:off x="8374648" y="1878041"/>
+            <a:ext cx="1121258" cy="1121256"/>
+          </a:xfrm>
+          <a:prstGeom prst="rect">
+            <a:avLst/>
+          </a:prstGeom>
+        </p:spPr>
+      </p:pic>
+      <p:pic>
+        <p:nvPicPr>
+          <p:cNvPr id="70" name="그림 69" descr="상징, 로고이(가) 표시된 사진&#10;&#10;AI 생성 콘텐츠는 정확하지 않을 수 있습니다.">
+            <a:extLst>
+              <a:ext uri="{FF2B5EF4-FFF2-40B4-BE49-F238E27FC236}">
+                <a16:creationId xmlns:a16="http://schemas.microsoft.com/office/drawing/2014/main" id="{F25B4314-B6F6-1FDF-AAC5-B768EC7B300A}"/>
+              </a:ext>
+            </a:extLst>
+          </p:cNvPr>
+          <p:cNvPicPr>
+            <a:picLocks noChangeAspect="1"/>
+          </p:cNvPicPr>
+          <p:nvPr/>
+        </p:nvPicPr>
+        <p:blipFill>
+          <a:blip r:embed="rId8">
+            <a:extLst>
+              <a:ext uri="{28A0092B-C50C-407E-A947-70E740481C1C}">
+                <a14:useLocalDpi xmlns:a14="http://schemas.microsoft.com/office/drawing/2010/main" val="0"/>
+              </a:ext>
+            </a:extLst>
+          </a:blip>
+          <a:stretch>
+            <a:fillRect/>
+          </a:stretch>
+        </p:blipFill>
+        <p:spPr>
+          <a:xfrm flipV="1">
+            <a:off x="8374253" y="251101"/>
+            <a:ext cx="1122048" cy="1122048"/>
+          </a:xfrm>
+          <a:prstGeom prst="rect">
+            <a:avLst/>
+          </a:prstGeom>
+        </p:spPr>
+      </p:pic>
+      <p:pic>
+        <p:nvPicPr>
+          <p:cNvPr id="75" name="그림 74" descr="상징, 화이트, 디자인이(가) 표시된 사진&#10;&#10;AI 생성 콘텐츠는 정확하지 않을 수 있습니다.">
+            <a:extLst>
+              <a:ext uri="{FF2B5EF4-FFF2-40B4-BE49-F238E27FC236}">
+                <a16:creationId xmlns:a16="http://schemas.microsoft.com/office/drawing/2014/main" id="{111B51B5-F3AB-29F5-275C-618A97EFAE0E}"/>
+              </a:ext>
+            </a:extLst>
+          </p:cNvPr>
+          <p:cNvPicPr>
+            <a:picLocks noChangeAspect="1"/>
+          </p:cNvPicPr>
+          <p:nvPr/>
+        </p:nvPicPr>
+        <p:blipFill>
+          <a:blip r:embed="rId7">
+            <a:extLst>
+              <a:ext uri="{28A0092B-C50C-407E-A947-70E740481C1C}">
+                <a14:useLocalDpi xmlns:a14="http://schemas.microsoft.com/office/drawing/2010/main" val="0"/>
+              </a:ext>
+            </a:extLst>
+          </a:blip>
+          <a:stretch>
+            <a:fillRect/>
+          </a:stretch>
+        </p:blipFill>
+        <p:spPr>
+          <a:xfrm>
+            <a:off x="8374648" y="5131129"/>
+            <a:ext cx="1121258" cy="1121256"/>
+          </a:xfrm>
+          <a:prstGeom prst="rect">
+            <a:avLst/>
+          </a:prstGeom>
+        </p:spPr>
+      </p:pic>
+      <p:pic>
+        <p:nvPicPr>
+          <p:cNvPr id="76" name="그림 75" descr="상징, 로고이(가) 표시된 사진&#10;&#10;AI 생성 콘텐츠는 정확하지 않을 수 있습니다.">
+            <a:extLst>
+              <a:ext uri="{FF2B5EF4-FFF2-40B4-BE49-F238E27FC236}">
+                <a16:creationId xmlns:a16="http://schemas.microsoft.com/office/drawing/2014/main" id="{104DFFDF-ADA5-6818-88DE-9F5237D11BF8}"/>
+              </a:ext>
+            </a:extLst>
+          </p:cNvPr>
+          <p:cNvPicPr>
+            <a:picLocks noChangeAspect="1"/>
+          </p:cNvPicPr>
+          <p:nvPr/>
+        </p:nvPicPr>
+        <p:blipFill>
+          <a:blip r:embed="rId8">
+            <a:extLst>
+              <a:ext uri="{28A0092B-C50C-407E-A947-70E740481C1C}">
+                <a14:useLocalDpi xmlns:a14="http://schemas.microsoft.com/office/drawing/2010/main" val="0"/>
+              </a:ext>
+            </a:extLst>
+          </a:blip>
+          <a:stretch>
+            <a:fillRect/>
+          </a:stretch>
+        </p:blipFill>
+        <p:spPr>
+          <a:xfrm flipV="1">
+            <a:off x="8374253" y="3504189"/>
+            <a:ext cx="1122048" cy="1122048"/>
+          </a:xfrm>
+          <a:prstGeom prst="rect">
+            <a:avLst/>
+          </a:prstGeom>
+        </p:spPr>
+      </p:pic>
+      <p:pic>
+        <p:nvPicPr>
+          <p:cNvPr id="79" name="그림 78" descr="블랙, 흑백, 디자인이(가) 표시된 사진&#10;&#10;AI 생성 콘텐츠는 정확하지 않을 수 있습니다.">
+            <a:extLst>
+              <a:ext uri="{FF2B5EF4-FFF2-40B4-BE49-F238E27FC236}">
+                <a16:creationId xmlns:a16="http://schemas.microsoft.com/office/drawing/2014/main" id="{D5B1AD03-7BD9-DBD2-1C4A-02AEA6201359}"/>
+              </a:ext>
+            </a:extLst>
+          </p:cNvPr>
+          <p:cNvPicPr>
+            <a:picLocks noChangeAspect="1"/>
+          </p:cNvPicPr>
+          <p:nvPr/>
+        </p:nvPicPr>
+        <p:blipFill>
+          <a:blip r:embed="rId3">
+            <a:extLst>
+              <a:ext uri="{28A0092B-C50C-407E-A947-70E740481C1C}">
+                <a14:useLocalDpi xmlns:a14="http://schemas.microsoft.com/office/drawing/2010/main" val="0"/>
+              </a:ext>
+            </a:extLst>
+          </a:blip>
+          <a:stretch>
+            <a:fillRect/>
+          </a:stretch>
+        </p:blipFill>
+        <p:spPr>
+          <a:xfrm>
+            <a:off x="0" y="1625397"/>
+            <a:ext cx="1626544" cy="1626544"/>
+          </a:xfrm>
+          <a:prstGeom prst="rect">
+            <a:avLst/>
+          </a:prstGeom>
+          <a:ln>
+            <a:noFill/>
+          </a:ln>
+        </p:spPr>
+      </p:pic>
+      <p:pic>
+        <p:nvPicPr>
+          <p:cNvPr id="80" name="그림 79" descr="블랙, 흑백, 디자인이(가) 표시된 사진&#10;&#10;AI 생성 콘텐츠는 정확하지 않을 수 있습니다.">
+            <a:extLst>
+              <a:ext uri="{FF2B5EF4-FFF2-40B4-BE49-F238E27FC236}">
+                <a16:creationId xmlns:a16="http://schemas.microsoft.com/office/drawing/2014/main" id="{6E7ED7A6-5079-E82B-AEED-C72A740C3BFA}"/>
+              </a:ext>
+            </a:extLst>
+          </p:cNvPr>
+          <p:cNvPicPr>
+            <a:picLocks noChangeAspect="1"/>
+          </p:cNvPicPr>
+          <p:nvPr/>
+        </p:nvPicPr>
+        <p:blipFill>
+          <a:blip r:embed="rId3">
+            <a:extLst>
+              <a:ext uri="{28A0092B-C50C-407E-A947-70E740481C1C}">
+                <a14:useLocalDpi xmlns:a14="http://schemas.microsoft.com/office/drawing/2010/main" val="0"/>
+              </a:ext>
+            </a:extLst>
+          </a:blip>
+          <a:stretch>
+            <a:fillRect/>
+          </a:stretch>
+        </p:blipFill>
+        <p:spPr>
+          <a:xfrm>
+            <a:off x="0" y="0"/>
+            <a:ext cx="1626544" cy="1626544"/>
+          </a:xfrm>
+          <a:prstGeom prst="rect">
+            <a:avLst/>
+          </a:prstGeom>
+          <a:ln>
+            <a:noFill/>
+          </a:ln>
+        </p:spPr>
+      </p:pic>
+      <p:pic>
+        <p:nvPicPr>
+          <p:cNvPr id="81" name="그림 80" descr="블랙, 흑백, 디자인이(가) 표시된 사진&#10;&#10;AI 생성 콘텐츠는 정확하지 않을 수 있습니다.">
+            <a:extLst>
+              <a:ext uri="{FF2B5EF4-FFF2-40B4-BE49-F238E27FC236}">
+                <a16:creationId xmlns:a16="http://schemas.microsoft.com/office/drawing/2014/main" id="{95B25B9F-8544-EA44-CDD4-5DCDFD79336E}"/>
+              </a:ext>
+            </a:extLst>
+          </p:cNvPr>
+          <p:cNvPicPr>
+            <a:picLocks noChangeAspect="1"/>
+          </p:cNvPicPr>
+          <p:nvPr/>
+        </p:nvPicPr>
+        <p:blipFill>
+          <a:blip r:embed="rId3">
+            <a:extLst>
+              <a:ext uri="{28A0092B-C50C-407E-A947-70E740481C1C}">
+                <a14:useLocalDpi xmlns:a14="http://schemas.microsoft.com/office/drawing/2010/main" val="0"/>
+              </a:ext>
+            </a:extLst>
+          </a:blip>
+          <a:stretch>
+            <a:fillRect/>
+          </a:stretch>
+        </p:blipFill>
+        <p:spPr>
+          <a:xfrm>
+            <a:off x="1627200" y="0"/>
+            <a:ext cx="1626544" cy="1626544"/>
+          </a:xfrm>
+          <a:prstGeom prst="rect">
+            <a:avLst/>
+          </a:prstGeom>
+          <a:ln>
+            <a:noFill/>
+          </a:ln>
+        </p:spPr>
+      </p:pic>
+      <p:pic>
+        <p:nvPicPr>
+          <p:cNvPr id="84" name="그림 83" descr="로고, 그래픽, 상징, 폰트이(가) 표시된 사진&#10;&#10;AI 생성 콘텐츠는 정확하지 않을 수 있습니다.">
+            <a:extLst>
+              <a:ext uri="{FF2B5EF4-FFF2-40B4-BE49-F238E27FC236}">
+                <a16:creationId xmlns:a16="http://schemas.microsoft.com/office/drawing/2014/main" id="{DCD15EF4-779C-4059-5BEF-623B9FE34F6D}"/>
+              </a:ext>
+            </a:extLst>
+          </p:cNvPr>
+          <p:cNvPicPr>
+            <a:picLocks noChangeAspect="1"/>
+          </p:cNvPicPr>
+          <p:nvPr/>
+        </p:nvPicPr>
+        <p:blipFill>
+          <a:blip r:embed="rId2">
+            <a:extLst>
+              <a:ext uri="{28A0092B-C50C-407E-A947-70E740481C1C}">
+                <a14:useLocalDpi xmlns:a14="http://schemas.microsoft.com/office/drawing/2010/main" val="0"/>
+              </a:ext>
+            </a:extLst>
+          </a:blip>
+          <a:stretch>
+            <a:fillRect/>
+          </a:stretch>
+        </p:blipFill>
+        <p:spPr>
+          <a:xfrm>
+            <a:off x="1950951" y="324802"/>
+            <a:ext cx="1048347" cy="1048347"/>
+          </a:xfrm>
+          <a:prstGeom prst="rect">
+            <a:avLst/>
+          </a:prstGeom>
+        </p:spPr>
+      </p:pic>
+      <p:pic>
+        <p:nvPicPr>
+          <p:cNvPr id="87" name="그림 86" descr="블랙, 흑백, 디자인이(가) 표시된 사진&#10;&#10;AI 생성 콘텐츠는 정확하지 않을 수 있습니다.">
+            <a:extLst>
+              <a:ext uri="{FF2B5EF4-FFF2-40B4-BE49-F238E27FC236}">
+                <a16:creationId xmlns:a16="http://schemas.microsoft.com/office/drawing/2014/main" id="{A8FCAA78-E051-654F-B1EC-368C79C7C441}"/>
+              </a:ext>
+            </a:extLst>
+          </p:cNvPr>
+          <p:cNvPicPr>
+            <a:picLocks noChangeAspect="1"/>
+          </p:cNvPicPr>
+          <p:nvPr/>
+        </p:nvPicPr>
+        <p:blipFill>
+          <a:blip r:embed="rId3">
+            <a:extLst>
+              <a:ext uri="{28A0092B-C50C-407E-A947-70E740481C1C}">
+                <a14:useLocalDpi xmlns:a14="http://schemas.microsoft.com/office/drawing/2010/main" val="0"/>
+              </a:ext>
+            </a:extLst>
+          </a:blip>
+          <a:stretch>
+            <a:fillRect/>
+          </a:stretch>
+        </p:blipFill>
+        <p:spPr>
+          <a:xfrm>
+            <a:off x="0" y="4876191"/>
+            <a:ext cx="1626544" cy="1626544"/>
+          </a:xfrm>
+          <a:prstGeom prst="rect">
+            <a:avLst/>
+          </a:prstGeom>
+          <a:ln>
+            <a:noFill/>
+          </a:ln>
+        </p:spPr>
+      </p:pic>
+      <p:pic>
+        <p:nvPicPr>
+          <p:cNvPr id="88" name="그림 87" descr="블랙, 흑백, 디자인이(가) 표시된 사진&#10;&#10;AI 생성 콘텐츠는 정확하지 않을 수 있습니다.">
+            <a:extLst>
+              <a:ext uri="{FF2B5EF4-FFF2-40B4-BE49-F238E27FC236}">
+                <a16:creationId xmlns:a16="http://schemas.microsoft.com/office/drawing/2014/main" id="{39861FC5-A6AB-BEC5-2DAC-6E38235148C5}"/>
+              </a:ext>
+            </a:extLst>
+          </p:cNvPr>
+          <p:cNvPicPr>
+            <a:picLocks noChangeAspect="1"/>
+          </p:cNvPicPr>
+          <p:nvPr/>
+        </p:nvPicPr>
+        <p:blipFill>
+          <a:blip r:embed="rId3">
+            <a:extLst>
+              <a:ext uri="{28A0092B-C50C-407E-A947-70E740481C1C}">
+                <a14:useLocalDpi xmlns:a14="http://schemas.microsoft.com/office/drawing/2010/main" val="0"/>
+              </a:ext>
+            </a:extLst>
+          </a:blip>
+          <a:stretch>
+            <a:fillRect/>
+          </a:stretch>
+        </p:blipFill>
+        <p:spPr>
+          <a:xfrm>
+            <a:off x="0" y="3250794"/>
+            <a:ext cx="1626544" cy="1626544"/>
+          </a:xfrm>
+          <a:prstGeom prst="rect">
+            <a:avLst/>
+          </a:prstGeom>
+          <a:ln>
+            <a:noFill/>
+          </a:ln>
+        </p:spPr>
+      </p:pic>
+      <p:pic>
+        <p:nvPicPr>
+          <p:cNvPr id="4" name="그림 3" descr="로고, 상징, 그래픽, 폰트이(가) 표시된 사진&#10;&#10;AI 생성 콘텐츠는 정확하지 않을 수 있습니다.">
+            <a:extLst>
+              <a:ext uri="{FF2B5EF4-FFF2-40B4-BE49-F238E27FC236}">
+                <a16:creationId xmlns:a16="http://schemas.microsoft.com/office/drawing/2014/main" id="{11AC7D7F-5C2C-8749-A9A8-289E20287C38}"/>
+              </a:ext>
+            </a:extLst>
+          </p:cNvPr>
+          <p:cNvPicPr>
+            <a:picLocks noChangeAspect="1"/>
+          </p:cNvPicPr>
+          <p:nvPr/>
+        </p:nvPicPr>
+        <p:blipFill>
+          <a:blip r:embed="rId9">
+            <a:extLst>
+              <a:ext uri="{28A0092B-C50C-407E-A947-70E740481C1C}">
+                <a14:useLocalDpi xmlns:a14="http://schemas.microsoft.com/office/drawing/2010/main" val="0"/>
+              </a:ext>
+            </a:extLst>
+          </a:blip>
+          <a:stretch>
+            <a:fillRect/>
+          </a:stretch>
+        </p:blipFill>
+        <p:spPr>
+          <a:xfrm rot="16200000" flipV="1">
+            <a:off x="1888707" y="1840084"/>
+            <a:ext cx="1108346" cy="1108346"/>
+          </a:xfrm>
+          <a:prstGeom prst="rect">
+            <a:avLst/>
+          </a:prstGeom>
+        </p:spPr>
+      </p:pic>
+      <p:pic>
+        <p:nvPicPr>
+          <p:cNvPr id="8" name="그림 7" descr="로고, 상징, 그래픽, 폰트이(가) 표시된 사진&#10;&#10;AI 생성 콘텐츠는 정확하지 않을 수 있습니다.">
+            <a:extLst>
+              <a:ext uri="{FF2B5EF4-FFF2-40B4-BE49-F238E27FC236}">
+                <a16:creationId xmlns:a16="http://schemas.microsoft.com/office/drawing/2014/main" id="{4B79E0A8-0C0F-D025-AD85-7DAF645A5658}"/>
+              </a:ext>
+            </a:extLst>
+          </p:cNvPr>
+          <p:cNvPicPr>
+            <a:picLocks noChangeAspect="1"/>
+          </p:cNvPicPr>
+          <p:nvPr/>
+        </p:nvPicPr>
+        <p:blipFill>
+          <a:blip r:embed="rId9">
+            <a:extLst>
+              <a:ext uri="{28A0092B-C50C-407E-A947-70E740481C1C}">
+                <a14:useLocalDpi xmlns:a14="http://schemas.microsoft.com/office/drawing/2010/main" val="0"/>
+              </a:ext>
+            </a:extLst>
+          </a:blip>
+          <a:stretch>
+            <a:fillRect/>
+          </a:stretch>
+        </p:blipFill>
+        <p:spPr>
+          <a:xfrm rot="16200000" flipV="1">
+            <a:off x="1888707" y="5089731"/>
+            <a:ext cx="1108346" cy="1108346"/>
+          </a:xfrm>
+          <a:prstGeom prst="rect">
+            <a:avLst/>
+          </a:prstGeom>
+        </p:spPr>
+      </p:pic>
+    </p:spTree>
+    <p:extLst>
+      <p:ext uri="{BB962C8B-B14F-4D97-AF65-F5344CB8AC3E}">
+        <p14:creationId xmlns:p14="http://schemas.microsoft.com/office/powerpoint/2010/main" val="998322671"/>
+      </p:ext>
+    </p:extLst>
+  </p:cSld>
+  <p:clrMapOvr>
+    <a:masterClrMapping/>
+  </p:clrMapOvr>
+</p:sld>
+</file>
+
 <file path=ppt/theme/theme1.xml><?xml version="1.0" encoding="utf-8"?>
 <a:theme xmlns:a="http://schemas.openxmlformats.org/drawingml/2006/main" name="Office 테마">
   <a:themeElements>

--- a/Assets/ThirdParty/CleanFlatIcon/UsingGroup/icon.pptx
+++ b/Assets/ThirdParty/CleanFlatIcon/UsingGroup/icon.pptx
@@ -5,7 +5,7 @@
     <p:sldMasterId id="2147483648" r:id="rId1"/>
   </p:sldMasterIdLst>
   <p:notesMasterIdLst>
-    <p:notesMasterId r:id="rId10"/>
+    <p:notesMasterId r:id="rId11"/>
   </p:notesMasterIdLst>
   <p:sldIdLst>
     <p:sldId id="258" r:id="rId2"/>
@@ -16,6 +16,7 @@
     <p:sldId id="262" r:id="rId7"/>
     <p:sldId id="261" r:id="rId8"/>
     <p:sldId id="263" r:id="rId9"/>
+    <p:sldId id="264" r:id="rId10"/>
   </p:sldIdLst>
   <p:sldSz cx="12192000" cy="6858000"/>
   <p:notesSz cx="6858000" cy="9144000"/>
@@ -207,7 +208,7 @@
           <a:p>
             <a:fld id="{623D089E-5E78-4F5C-90DB-68957509C3A9}" type="datetimeFigureOut">
               <a:rPr lang="ko-KR" altLang="en-US" smtClean="0"/>
-              <a:t>2025-11-11</a:t>
+              <a:t>2025-11-14</a:t>
             </a:fld>
             <a:endParaRPr lang="ko-KR" altLang="en-US"/>
           </a:p>
@@ -12346,6 +12347,108 @@
 </p:sld>
 </file>
 
+<file path=ppt/slides/slide9.xml><?xml version="1.0" encoding="utf-8"?>
+<p:sld xmlns:a="http://schemas.openxmlformats.org/drawingml/2006/main" xmlns:r="http://schemas.openxmlformats.org/officeDocument/2006/relationships" xmlns:p="http://schemas.openxmlformats.org/presentationml/2006/main">
+  <p:cSld>
+    <p:spTree>
+      <p:nvGrpSpPr>
+        <p:cNvPr id="1" name=""/>
+        <p:cNvGrpSpPr/>
+        <p:nvPr/>
+      </p:nvGrpSpPr>
+      <p:grpSpPr>
+        <a:xfrm>
+          <a:off x="0" y="0"/>
+          <a:ext cx="0" cy="0"/>
+          <a:chOff x="0" y="0"/>
+          <a:chExt cx="0" cy="0"/>
+        </a:xfrm>
+      </p:grpSpPr>
+      <p:pic>
+        <p:nvPicPr>
+          <p:cNvPr id="31" name="그래픽 30" descr="갈매기형 화살표 단색으로 채워진">
+            <a:extLst>
+              <a:ext uri="{FF2B5EF4-FFF2-40B4-BE49-F238E27FC236}">
+                <a16:creationId xmlns:a16="http://schemas.microsoft.com/office/drawing/2014/main" id="{FD26367D-786B-8915-33D4-0E5D43BBFC85}"/>
+              </a:ext>
+            </a:extLst>
+          </p:cNvPr>
+          <p:cNvPicPr>
+            <a:picLocks noChangeAspect="1"/>
+          </p:cNvPicPr>
+          <p:nvPr/>
+        </p:nvPicPr>
+        <p:blipFill>
+          <a:blip r:embed="rId2">
+            <a:extLst>
+              <a:ext uri="{96DAC541-7B7A-43D3-8B79-37D633B846F1}">
+                <asvg:svgBlip xmlns:asvg="http://schemas.microsoft.com/office/drawing/2016/SVG/main" r:embed="rId3"/>
+              </a:ext>
+            </a:extLst>
+          </a:blip>
+          <a:stretch>
+            <a:fillRect/>
+          </a:stretch>
+        </p:blipFill>
+        <p:spPr>
+          <a:xfrm>
+            <a:off x="0" y="0"/>
+            <a:ext cx="1627200" cy="1627200"/>
+          </a:xfrm>
+          <a:prstGeom prst="rect">
+            <a:avLst/>
+          </a:prstGeom>
+        </p:spPr>
+      </p:pic>
+      <p:pic>
+        <p:nvPicPr>
+          <p:cNvPr id="37" name="그래픽 36" descr="갈매기형 화살표 단색으로 채워진">
+            <a:extLst>
+              <a:ext uri="{FF2B5EF4-FFF2-40B4-BE49-F238E27FC236}">
+                <a16:creationId xmlns:a16="http://schemas.microsoft.com/office/drawing/2014/main" id="{E2456C88-D7C5-69BC-EFF8-43E9DCF825C0}"/>
+              </a:ext>
+            </a:extLst>
+          </p:cNvPr>
+          <p:cNvPicPr>
+            <a:picLocks noChangeAspect="1"/>
+          </p:cNvPicPr>
+          <p:nvPr/>
+        </p:nvPicPr>
+        <p:blipFill>
+          <a:blip r:embed="rId4">
+            <a:extLst>
+              <a:ext uri="{96DAC541-7B7A-43D3-8B79-37D633B846F1}">
+                <asvg:svgBlip xmlns:asvg="http://schemas.microsoft.com/office/drawing/2016/SVG/main" r:embed="rId5"/>
+              </a:ext>
+            </a:extLst>
+          </a:blip>
+          <a:stretch>
+            <a:fillRect/>
+          </a:stretch>
+        </p:blipFill>
+        <p:spPr>
+          <a:xfrm>
+            <a:off x="1627200" y="0"/>
+            <a:ext cx="1627200" cy="1627200"/>
+          </a:xfrm>
+          <a:prstGeom prst="rect">
+            <a:avLst/>
+          </a:prstGeom>
+        </p:spPr>
+      </p:pic>
+    </p:spTree>
+    <p:extLst>
+      <p:ext uri="{BB962C8B-B14F-4D97-AF65-F5344CB8AC3E}">
+        <p14:creationId xmlns:p14="http://schemas.microsoft.com/office/powerpoint/2010/main" val="113782066"/>
+      </p:ext>
+    </p:extLst>
+  </p:cSld>
+  <p:clrMapOvr>
+    <a:masterClrMapping/>
+  </p:clrMapOvr>
+</p:sld>
+</file>
+
 <file path=ppt/theme/theme1.xml><?xml version="1.0" encoding="utf-8"?>
 <a:theme xmlns:a="http://schemas.openxmlformats.org/drawingml/2006/main" name="Office 테마">
   <a:themeElements>
